--- a/Presentación1.pptx
+++ b/Presentación1.pptx
@@ -4929,10 +4929,10 @@
       </p:grpSpPr>
       <p:sp useBgFill="1">
         <p:nvSpPr>
-          <p:cNvPr id="10" name="Rectangle 9">
-            <a:extLst>
-              <a:ext uri="{FF2B5EF4-FFF2-40B4-BE49-F238E27FC236}">
-                <a16:creationId xmlns:a16="http://schemas.microsoft.com/office/drawing/2014/main" id="{F13C74B1-5B17-4795-BED0-7140497B445A}"/>
+          <p:cNvPr id="25" name="Rectangle 16">
+            <a:extLst>
+              <a:ext uri="{FF2B5EF4-FFF2-40B4-BE49-F238E27FC236}">
+                <a16:creationId xmlns:a16="http://schemas.microsoft.com/office/drawing/2014/main" id="{F94AA2BD-2E3F-4B1D-8127-5744B8115311}"/>
               </a:ext>
               <a:ext uri="{C183D7F6-B498-43B3-948B-1728B52AA6E4}">
                 <adec:decorative xmlns:adec="http://schemas.microsoft.com/office/drawing/2017/decorative" val="1"/>
@@ -4953,7 +4953,7 @@
         <p:spPr>
           <a:xfrm>
             <a:off x="0" y="0"/>
-            <a:ext cx="12188952" cy="6858000"/>
+            <a:ext cx="12192000" cy="6858000"/>
           </a:xfrm>
           <a:prstGeom prst="rect">
             <a:avLst/>
@@ -5005,8 +5005,8 @@
         </p:nvSpPr>
         <p:spPr>
           <a:xfrm>
-            <a:off x="640080" y="325369"/>
-            <a:ext cx="4368602" cy="1956841"/>
+            <a:off x="411480" y="987552"/>
+            <a:ext cx="4485861" cy="1088136"/>
           </a:xfrm>
         </p:spPr>
         <p:txBody>
@@ -5015,16 +5015,16 @@
           </a:bodyPr>
           <a:lstStyle/>
           <a:p>
-            <a:endParaRPr lang="es-ES" sz="5400" dirty="0"/>
-          </a:p>
-        </p:txBody>
-      </p:sp>
-      <p:sp>
-        <p:nvSpPr>
-          <p:cNvPr id="12" name="sketchy line">
-            <a:extLst>
-              <a:ext uri="{FF2B5EF4-FFF2-40B4-BE49-F238E27FC236}">
-                <a16:creationId xmlns:a16="http://schemas.microsoft.com/office/drawing/2014/main" id="{D4974D33-8DC5-464E-8C6D-BE58F0669C17}"/>
+            <a:endParaRPr lang="es-ES" sz="3400"/>
+          </a:p>
+        </p:txBody>
+      </p:sp>
+      <p:sp>
+        <p:nvSpPr>
+          <p:cNvPr id="26" name="Rectangle 18">
+            <a:extLst>
+              <a:ext uri="{FF2B5EF4-FFF2-40B4-BE49-F238E27FC236}">
+                <a16:creationId xmlns:a16="http://schemas.microsoft.com/office/drawing/2014/main" id="{4BD02261-2DC8-4AA8-9E16-7751AE892445}"/>
               </a:ext>
               <a:ext uri="{C183D7F6-B498-43B3-948B-1728B52AA6E4}">
                 <adec:decorative xmlns:adec="http://schemas.microsoft.com/office/drawing/2017/decorative" val="1"/>
@@ -5043,238 +5043,18 @@
           </p:nvPr>
         </p:nvSpPr>
         <p:spPr>
-          <a:xfrm>
-            <a:off x="640080" y="2586994"/>
-            <a:ext cx="3474720" cy="18288"/>
+          <a:xfrm rot="5400000">
+            <a:off x="649223" y="387939"/>
+            <a:ext cx="73152" cy="548640"/>
           </a:xfrm>
-          <a:custGeom>
+          <a:prstGeom prst="rect">
             <a:avLst/>
-            <a:gdLst>
-              <a:gd name="connsiteX0" fmla="*/ 0 w 3474720"/>
-              <a:gd name="connsiteY0" fmla="*/ 0 h 18288"/>
-              <a:gd name="connsiteX1" fmla="*/ 694944 w 3474720"/>
-              <a:gd name="connsiteY1" fmla="*/ 0 h 18288"/>
-              <a:gd name="connsiteX2" fmla="*/ 1355141 w 3474720"/>
-              <a:gd name="connsiteY2" fmla="*/ 0 h 18288"/>
-              <a:gd name="connsiteX3" fmla="*/ 2015338 w 3474720"/>
-              <a:gd name="connsiteY3" fmla="*/ 0 h 18288"/>
-              <a:gd name="connsiteX4" fmla="*/ 2779776 w 3474720"/>
-              <a:gd name="connsiteY4" fmla="*/ 0 h 18288"/>
-              <a:gd name="connsiteX5" fmla="*/ 3474720 w 3474720"/>
-              <a:gd name="connsiteY5" fmla="*/ 0 h 18288"/>
-              <a:gd name="connsiteX6" fmla="*/ 3474720 w 3474720"/>
-              <a:gd name="connsiteY6" fmla="*/ 18288 h 18288"/>
-              <a:gd name="connsiteX7" fmla="*/ 2779776 w 3474720"/>
-              <a:gd name="connsiteY7" fmla="*/ 18288 h 18288"/>
-              <a:gd name="connsiteX8" fmla="*/ 2189074 w 3474720"/>
-              <a:gd name="connsiteY8" fmla="*/ 18288 h 18288"/>
-              <a:gd name="connsiteX9" fmla="*/ 1528877 w 3474720"/>
-              <a:gd name="connsiteY9" fmla="*/ 18288 h 18288"/>
-              <a:gd name="connsiteX10" fmla="*/ 868680 w 3474720"/>
-              <a:gd name="connsiteY10" fmla="*/ 18288 h 18288"/>
-              <a:gd name="connsiteX11" fmla="*/ 0 w 3474720"/>
-              <a:gd name="connsiteY11" fmla="*/ 18288 h 18288"/>
-              <a:gd name="connsiteX12" fmla="*/ 0 w 3474720"/>
-              <a:gd name="connsiteY12" fmla="*/ 0 h 18288"/>
-            </a:gdLst>
-            <a:ahLst/>
-            <a:cxnLst>
-              <a:cxn ang="0">
-                <a:pos x="connsiteX0" y="connsiteY0"/>
-              </a:cxn>
-              <a:cxn ang="0">
-                <a:pos x="connsiteX1" y="connsiteY1"/>
-              </a:cxn>
-              <a:cxn ang="0">
-                <a:pos x="connsiteX2" y="connsiteY2"/>
-              </a:cxn>
-              <a:cxn ang="0">
-                <a:pos x="connsiteX3" y="connsiteY3"/>
-              </a:cxn>
-              <a:cxn ang="0">
-                <a:pos x="connsiteX4" y="connsiteY4"/>
-              </a:cxn>
-              <a:cxn ang="0">
-                <a:pos x="connsiteX5" y="connsiteY5"/>
-              </a:cxn>
-              <a:cxn ang="0">
-                <a:pos x="connsiteX6" y="connsiteY6"/>
-              </a:cxn>
-              <a:cxn ang="0">
-                <a:pos x="connsiteX7" y="connsiteY7"/>
-              </a:cxn>
-              <a:cxn ang="0">
-                <a:pos x="connsiteX8" y="connsiteY8"/>
-              </a:cxn>
-              <a:cxn ang="0">
-                <a:pos x="connsiteX9" y="connsiteY9"/>
-              </a:cxn>
-              <a:cxn ang="0">
-                <a:pos x="connsiteX10" y="connsiteY10"/>
-              </a:cxn>
-              <a:cxn ang="0">
-                <a:pos x="connsiteX11" y="connsiteY11"/>
-              </a:cxn>
-              <a:cxn ang="0">
-                <a:pos x="connsiteX12" y="connsiteY12"/>
-              </a:cxn>
-            </a:cxnLst>
-            <a:rect l="l" t="t" r="r" b="b"/>
-            <a:pathLst>
-              <a:path w="3474720" h="18288" fill="none" extrusionOk="0">
-                <a:moveTo>
-                  <a:pt x="0" y="0"/>
-                </a:moveTo>
-                <a:cubicBezTo>
-                  <a:pt x="224454" y="-14544"/>
-                  <a:pt x="495407" y="26540"/>
-                  <a:pt x="694944" y="0"/>
-                </a:cubicBezTo>
-                <a:cubicBezTo>
-                  <a:pt x="894481" y="-26540"/>
-                  <a:pt x="1130063" y="24713"/>
-                  <a:pt x="1355141" y="0"/>
-                </a:cubicBezTo>
-                <a:cubicBezTo>
-                  <a:pt x="1580219" y="-24713"/>
-                  <a:pt x="1820099" y="26695"/>
-                  <a:pt x="2015338" y="0"/>
-                </a:cubicBezTo>
-                <a:cubicBezTo>
-                  <a:pt x="2210577" y="-26695"/>
-                  <a:pt x="2402045" y="165"/>
-                  <a:pt x="2779776" y="0"/>
-                </a:cubicBezTo>
-                <a:cubicBezTo>
-                  <a:pt x="3157507" y="-165"/>
-                  <a:pt x="3286859" y="-15571"/>
-                  <a:pt x="3474720" y="0"/>
-                </a:cubicBezTo>
-                <a:cubicBezTo>
-                  <a:pt x="3474286" y="7551"/>
-                  <a:pt x="3474253" y="9822"/>
-                  <a:pt x="3474720" y="18288"/>
-                </a:cubicBezTo>
-                <a:cubicBezTo>
-                  <a:pt x="3233904" y="29845"/>
-                  <a:pt x="2945134" y="-5256"/>
-                  <a:pt x="2779776" y="18288"/>
-                </a:cubicBezTo>
-                <a:cubicBezTo>
-                  <a:pt x="2614418" y="41832"/>
-                  <a:pt x="2339768" y="22709"/>
-                  <a:pt x="2189074" y="18288"/>
-                </a:cubicBezTo>
-                <a:cubicBezTo>
-                  <a:pt x="2038380" y="13867"/>
-                  <a:pt x="1817434" y="-4947"/>
-                  <a:pt x="1528877" y="18288"/>
-                </a:cubicBezTo>
-                <a:cubicBezTo>
-                  <a:pt x="1240320" y="41523"/>
-                  <a:pt x="1042447" y="37198"/>
-                  <a:pt x="868680" y="18288"/>
-                </a:cubicBezTo>
-                <a:cubicBezTo>
-                  <a:pt x="694913" y="-622"/>
-                  <a:pt x="233232" y="44909"/>
-                  <a:pt x="0" y="18288"/>
-                </a:cubicBezTo>
-                <a:cubicBezTo>
-                  <a:pt x="60" y="11696"/>
-                  <a:pt x="66" y="3758"/>
-                  <a:pt x="0" y="0"/>
-                </a:cubicBezTo>
-                <a:close/>
-              </a:path>
-              <a:path w="3474720" h="18288" stroke="0" extrusionOk="0">
-                <a:moveTo>
-                  <a:pt x="0" y="0"/>
-                </a:moveTo>
-                <a:cubicBezTo>
-                  <a:pt x="202328" y="-14716"/>
-                  <a:pt x="332722" y="-11499"/>
-                  <a:pt x="625450" y="0"/>
-                </a:cubicBezTo>
-                <a:cubicBezTo>
-                  <a:pt x="918178" y="11499"/>
-                  <a:pt x="1096688" y="5123"/>
-                  <a:pt x="1389888" y="0"/>
-                </a:cubicBezTo>
-                <a:cubicBezTo>
-                  <a:pt x="1683088" y="-5123"/>
-                  <a:pt x="1835981" y="-14038"/>
-                  <a:pt x="1980590" y="0"/>
-                </a:cubicBezTo>
-                <a:cubicBezTo>
-                  <a:pt x="2125199" y="14038"/>
-                  <a:pt x="2396099" y="-7203"/>
-                  <a:pt x="2571293" y="0"/>
-                </a:cubicBezTo>
-                <a:cubicBezTo>
-                  <a:pt x="2746487" y="7203"/>
-                  <a:pt x="3041609" y="-12036"/>
-                  <a:pt x="3474720" y="0"/>
-                </a:cubicBezTo>
-                <a:cubicBezTo>
-                  <a:pt x="3474638" y="4406"/>
-                  <a:pt x="3474631" y="9982"/>
-                  <a:pt x="3474720" y="18288"/>
-                </a:cubicBezTo>
-                <a:cubicBezTo>
-                  <a:pt x="3324873" y="21876"/>
-                  <a:pt x="3136771" y="12587"/>
-                  <a:pt x="2814523" y="18288"/>
-                </a:cubicBezTo>
-                <a:cubicBezTo>
-                  <a:pt x="2492275" y="23989"/>
-                  <a:pt x="2294402" y="47111"/>
-                  <a:pt x="2154326" y="18288"/>
-                </a:cubicBezTo>
-                <a:cubicBezTo>
-                  <a:pt x="2014250" y="-10535"/>
-                  <a:pt x="1820317" y="33903"/>
-                  <a:pt x="1494130" y="18288"/>
-                </a:cubicBezTo>
-                <a:cubicBezTo>
-                  <a:pt x="1167943" y="2673"/>
-                  <a:pt x="948432" y="14868"/>
-                  <a:pt x="729691" y="18288"/>
-                </a:cubicBezTo>
-                <a:cubicBezTo>
-                  <a:pt x="510950" y="21708"/>
-                  <a:pt x="264032" y="24354"/>
-                  <a:pt x="0" y="18288"/>
-                </a:cubicBezTo>
-                <a:cubicBezTo>
-                  <a:pt x="189" y="14288"/>
-                  <a:pt x="-703" y="3747"/>
-                  <a:pt x="0" y="0"/>
-                </a:cubicBezTo>
-                <a:close/>
-              </a:path>
-            </a:pathLst>
-          </a:custGeom>
+          </a:prstGeom>
           <a:solidFill>
             <a:schemeClr val="accent2"/>
           </a:solidFill>
-          <a:ln w="44450" cap="rnd">
-            <a:solidFill>
-              <a:schemeClr val="accent2"/>
-            </a:solidFill>
-            <a:round/>
-            <a:extLst>
-              <a:ext uri="{C807C97D-BFC1-408E-A445-0C87EB9F89A2}">
-                <ask:lineSketchStyleProps xmlns:ask="http://schemas.microsoft.com/office/drawing/2018/sketchyshapes" sd="2863741219">
-                  <a:prstGeom prst="rect">
-                    <a:avLst/>
-                  </a:prstGeom>
-                  <ask:type>
-                    <ask:lineSketchFreehand/>
-                  </ask:type>
-                </ask:lineSketchStyleProps>
-              </a:ext>
-            </a:extLst>
+          <a:ln>
+            <a:noFill/>
           </a:ln>
         </p:spPr>
         <p:style>
@@ -5298,124 +5078,128 @@
           <a:lstStyle/>
           <a:p>
             <a:pPr algn="ctr"/>
-            <a:endParaRPr lang="en-US"/>
-          </a:p>
-        </p:txBody>
-      </p:sp>
-      <p:sp>
-        <p:nvSpPr>
-          <p:cNvPr id="3" name="Marcador de contenido 2">
-            <a:extLst>
-              <a:ext uri="{FF2B5EF4-FFF2-40B4-BE49-F238E27FC236}">
-                <a16:creationId xmlns:a16="http://schemas.microsoft.com/office/drawing/2014/main" id="{A1A1D77A-80CB-DD98-4219-218963E366DF}"/>
-              </a:ext>
-            </a:extLst>
-          </p:cNvPr>
-          <p:cNvSpPr>
-            <a:spLocks noGrp="1"/>
-          </p:cNvSpPr>
-          <p:nvPr>
-            <p:ph idx="1"/>
+            <a:endParaRPr lang="en-US">
+              <a:solidFill>
+                <a:prstClr val="white"/>
+              </a:solidFill>
+              <a:latin typeface="Calibri" panose="020F0502020204030204"/>
+            </a:endParaRPr>
+          </a:p>
+        </p:txBody>
+      </p:sp>
+      <p:sp>
+        <p:nvSpPr>
+          <p:cNvPr id="27" name="Rectangle 20">
+            <a:extLst>
+              <a:ext uri="{FF2B5EF4-FFF2-40B4-BE49-F238E27FC236}">
+                <a16:creationId xmlns:a16="http://schemas.microsoft.com/office/drawing/2014/main" id="{3D752CF2-2291-40B5-B462-C17B174C10BC}"/>
+              </a:ext>
+              <a:ext uri="{C183D7F6-B498-43B3-948B-1728B52AA6E4}">
+                <adec:decorative xmlns:adec="http://schemas.microsoft.com/office/drawing/2017/decorative" val="1"/>
+              </a:ext>
+            </a:extLst>
+          </p:cNvPr>
+          <p:cNvSpPr>
+            <a:spLocks noGrp="1" noRot="1" noChangeAspect="1" noMove="1" noResize="1" noEditPoints="1" noAdjustHandles="1" noChangeArrowheads="1" noChangeShapeType="1" noTextEdit="1"/>
+          </p:cNvSpPr>
+          <p:nvPr>
+            <p:extLst>
+              <p:ext uri="{386F3935-93C4-4BCD-93E2-E3B085C9AB24}">
+                <p16:designElem xmlns:p16="http://schemas.microsoft.com/office/powerpoint/2015/main" val="1"/>
+              </p:ext>
+            </p:extLst>
           </p:nvPr>
         </p:nvSpPr>
         <p:spPr>
           <a:xfrm>
-            <a:off x="640080" y="2872899"/>
-            <a:ext cx="4243589" cy="3320668"/>
+            <a:off x="411480" y="2286000"/>
+            <a:ext cx="4389120" cy="18288"/>
+          </a:xfrm>
+          <a:prstGeom prst="rect">
+            <a:avLst/>
+          </a:prstGeom>
+          <a:solidFill>
+            <a:srgbClr val="D5D5D5"/>
+          </a:solidFill>
+          <a:ln w="3175">
+            <a:noFill/>
+          </a:ln>
+          <a:effectLst/>
+        </p:spPr>
+        <p:style>
+          <a:lnRef idx="2">
+            <a:schemeClr val="accent1">
+              <a:shade val="50000"/>
+            </a:schemeClr>
+          </a:lnRef>
+          <a:fillRef idx="1">
+            <a:schemeClr val="accent1"/>
+          </a:fillRef>
+          <a:effectRef idx="0">
+            <a:schemeClr val="accent1"/>
+          </a:effectRef>
+          <a:fontRef idx="minor">
+            <a:schemeClr val="lt1"/>
+          </a:fontRef>
+        </p:style>
+        <p:txBody>
+          <a:bodyPr rtlCol="0" anchor="ctr"/>
+          <a:lstStyle/>
+          <a:p>
+            <a:pPr algn="ctr"/>
+            <a:endParaRPr lang="en-US">
+              <a:solidFill>
+                <a:prstClr val="white"/>
+              </a:solidFill>
+              <a:latin typeface="Calibri" panose="020F0502020204030204"/>
+            </a:endParaRPr>
+          </a:p>
+        </p:txBody>
+      </p:sp>
+      <p:sp>
+        <p:nvSpPr>
+          <p:cNvPr id="3" name="Marcador de contenido 2">
+            <a:extLst>
+              <a:ext uri="{FF2B5EF4-FFF2-40B4-BE49-F238E27FC236}">
+                <a16:creationId xmlns:a16="http://schemas.microsoft.com/office/drawing/2014/main" id="{A1A1D77A-80CB-DD98-4219-218963E366DF}"/>
+              </a:ext>
+            </a:extLst>
+          </p:cNvPr>
+          <p:cNvSpPr>
+            <a:spLocks noGrp="1"/>
+          </p:cNvSpPr>
+          <p:nvPr>
+            <p:ph idx="1"/>
+          </p:nvPr>
+        </p:nvSpPr>
+        <p:spPr>
+          <a:xfrm>
+            <a:off x="411479" y="2688336"/>
+            <a:ext cx="4498848" cy="3584448"/>
           </a:xfrm>
         </p:spPr>
         <p:txBody>
-          <a:bodyPr>
+          <a:bodyPr anchor="t">
             <a:normAutofit/>
           </a:bodyPr>
           <a:lstStyle/>
           <a:p>
             <a:r>
-              <a:rPr lang="es-ES" sz="2200" b="1" dirty="0">
+              <a:rPr lang="es-ES" sz="1800" b="1">
                 <a:effectLst/>
                 <a:latin typeface="Menlo" panose="020B0609030804020204" pitchFamily="49" charset="0"/>
               </a:rPr>
-              <a:t>Para </a:t>
-            </a:r>
-            <a:r>
-              <a:rPr lang="es-ES" sz="2200" b="1" dirty="0" err="1">
-                <a:effectLst/>
-                <a:latin typeface="Menlo" panose="020B0609030804020204" pitchFamily="49" charset="0"/>
-              </a:rPr>
-              <a:t>class</a:t>
-            </a:r>
-            <a:r>
-              <a:rPr lang="es-ES" sz="2200" b="1" dirty="0">
-                <a:effectLst/>
-                <a:latin typeface="Menlo" panose="020B0609030804020204" pitchFamily="49" charset="0"/>
-              </a:rPr>
-              <a:t> voy hice un </a:t>
-            </a:r>
-            <a:r>
-              <a:rPr lang="es-ES" sz="2200" b="1" dirty="0" err="1">
-                <a:effectLst/>
-                <a:latin typeface="Menlo" panose="020B0609030804020204" pitchFamily="49" charset="0"/>
-              </a:rPr>
-              <a:t>get</a:t>
-            </a:r>
-            <a:r>
-              <a:rPr lang="es-ES" sz="2200" b="1" dirty="0">
-                <a:effectLst/>
-                <a:latin typeface="Menlo" panose="020B0609030804020204" pitchFamily="49" charset="0"/>
-              </a:rPr>
-              <a:t> </a:t>
-            </a:r>
-            <a:r>
-              <a:rPr lang="es-ES" sz="2200" b="1" dirty="0" err="1">
-                <a:effectLst/>
-                <a:latin typeface="Menlo" panose="020B0609030804020204" pitchFamily="49" charset="0"/>
-              </a:rPr>
-              <a:t>dummies</a:t>
-            </a:r>
-            <a:r>
-              <a:rPr lang="es-ES" sz="2200" b="1" dirty="0">
-                <a:effectLst/>
-                <a:latin typeface="Menlo" panose="020B0609030804020204" pitchFamily="49" charset="0"/>
-              </a:rPr>
-              <a:t>, reindexo las columnas para poner el target al final del </a:t>
-            </a:r>
-            <a:r>
-              <a:rPr lang="es-ES" sz="2200" b="1" dirty="0" err="1">
-                <a:effectLst/>
-                <a:latin typeface="Menlo" panose="020B0609030804020204" pitchFamily="49" charset="0"/>
-              </a:rPr>
-              <a:t>dataframe</a:t>
-            </a:r>
-            <a:r>
-              <a:rPr lang="es-ES" sz="2200" b="1" dirty="0">
-                <a:effectLst/>
-                <a:latin typeface="Menlo" panose="020B0609030804020204" pitchFamily="49" charset="0"/>
-              </a:rPr>
-              <a:t> y guardar los </a:t>
-            </a:r>
-            <a:r>
-              <a:rPr lang="es-ES" sz="2200" b="1" dirty="0" err="1">
-                <a:effectLst/>
-                <a:latin typeface="Menlo" panose="020B0609030804020204" pitchFamily="49" charset="0"/>
-              </a:rPr>
-              <a:t>csv</a:t>
-            </a:r>
-            <a:r>
-              <a:rPr lang="es-ES" sz="2200" b="1" dirty="0">
-                <a:effectLst/>
-                <a:latin typeface="Menlo" panose="020B0609030804020204" pitchFamily="49" charset="0"/>
-              </a:rPr>
-              <a:t> para empezar con la elección de Modelos.</a:t>
-            </a:r>
-          </a:p>
-          <a:p>
-            <a:endParaRPr lang="es-ES" sz="2200" b="0" dirty="0">
+              <a:t>Para class voy hice un get dummies, reindexo las columnas para poner el target al final del dataframe y guardar los csv para empezar con la elección de Modelos.</a:t>
+            </a:r>
+          </a:p>
+          <a:p>
+            <a:endParaRPr lang="es-ES" sz="1800" b="0">
               <a:effectLst/>
               <a:latin typeface="Menlo" panose="020B0609030804020204" pitchFamily="49" charset="0"/>
             </a:endParaRPr>
           </a:p>
           <a:p>
-            <a:endParaRPr lang="es-ES" sz="2200" dirty="0"/>
+            <a:endParaRPr lang="es-ES" sz="1800"/>
           </a:p>
         </p:txBody>
       </p:sp>
@@ -5435,13 +5219,13 @@
         </p:nvPicPr>
         <p:blipFill rotWithShape="1">
           <a:blip r:embed="rId2"/>
-          <a:srcRect r="1" b="15666"/>
+          <a:srcRect b="15728"/>
           <a:stretch/>
         </p:blipFill>
         <p:spPr>
           <a:xfrm>
-            <a:off x="5311702" y="10"/>
-            <a:ext cx="6878775" cy="6857990"/>
+            <a:off x="5308052" y="10"/>
+            <a:ext cx="6883948" cy="6857990"/>
           </a:xfrm>
           <a:custGeom>
             <a:avLst/>
@@ -5450,144 +5234,44 @@
             <a:cxnLst/>
             <a:rect l="l" t="t" r="r" b="b"/>
             <a:pathLst>
-              <a:path w="6878775" h="6858000">
+              <a:path w="6883948" h="6858000">
                 <a:moveTo>
-                  <a:pt x="1102973" y="0"/>
+                  <a:pt x="365648" y="0"/>
                 </a:moveTo>
                 <a:lnTo>
-                  <a:pt x="1160688" y="0"/>
+                  <a:pt x="6883948" y="0"/>
                 </a:lnTo>
                 <a:lnTo>
-                  <a:pt x="983189" y="331786"/>
+                  <a:pt x="6883948" y="6858000"/>
+                </a:lnTo>
+                <a:lnTo>
+                  <a:pt x="365648" y="6858000"/>
+                </a:lnTo>
+                <a:lnTo>
+                  <a:pt x="360213" y="6835050"/>
                 </a:lnTo>
                 <a:cubicBezTo>
-                  <a:pt x="914866" y="469145"/>
-                  <a:pt x="850355" y="608712"/>
-                  <a:pt x="789261" y="750263"/>
+                  <a:pt x="128263" y="5788167"/>
+                  <a:pt x="0" y="4637179"/>
+                  <a:pt x="0" y="3429001"/>
                 </a:cubicBezTo>
                 <a:cubicBezTo>
-                  <a:pt x="774307" y="784928"/>
-                  <a:pt x="759992" y="819849"/>
-                  <a:pt x="745295" y="854514"/>
-                </a:cubicBezTo>
-                <a:cubicBezTo>
-                  <a:pt x="756682" y="845393"/>
-                  <a:pt x="765489" y="833492"/>
-                  <a:pt x="770857" y="819975"/>
-                </a:cubicBezTo>
-                <a:cubicBezTo>
-                  <a:pt x="879943" y="589569"/>
-                  <a:pt x="999605" y="365513"/>
-                  <a:pt x="1131329" y="148742"/>
-                </a:cubicBezTo>
-                <a:lnTo>
-                  <a:pt x="1227589" y="0"/>
-                </a:lnTo>
-                <a:lnTo>
-                  <a:pt x="6878775" y="0"/>
-                </a:lnTo>
-                <a:lnTo>
-                  <a:pt x="6878775" y="6858000"/>
-                </a:lnTo>
-                <a:lnTo>
-                  <a:pt x="713521" y="6858000"/>
-                </a:lnTo>
-                <a:lnTo>
-                  <a:pt x="625642" y="6670527"/>
-                </a:lnTo>
-                <a:cubicBezTo>
-                  <a:pt x="507232" y="6398531"/>
-                  <a:pt x="403083" y="6118381"/>
-                  <a:pt x="312785" y="5830359"/>
-                </a:cubicBezTo>
-                <a:cubicBezTo>
-                  <a:pt x="278149" y="5719759"/>
-                  <a:pt x="248879" y="5607635"/>
-                  <a:pt x="212198" y="5480401"/>
-                </a:cubicBezTo>
-                <a:cubicBezTo>
-                  <a:pt x="212208" y="5491601"/>
-                  <a:pt x="212803" y="5502788"/>
-                  <a:pt x="213988" y="5513923"/>
-                </a:cubicBezTo>
-                <a:cubicBezTo>
-                  <a:pt x="264089" y="5723695"/>
-                  <a:pt x="307290" y="5935370"/>
-                  <a:pt x="365826" y="6142729"/>
-                </a:cubicBezTo>
-                <a:cubicBezTo>
-                  <a:pt x="433152" y="6380817"/>
-                  <a:pt x="510068" y="6614016"/>
-                  <a:pt x="597975" y="6841549"/>
-                </a:cubicBezTo>
-                <a:lnTo>
-                  <a:pt x="604824" y="6858000"/>
-                </a:lnTo>
-                <a:lnTo>
-                  <a:pt x="552056" y="6858000"/>
-                </a:lnTo>
-                <a:lnTo>
-                  <a:pt x="539576" y="6828295"/>
-                </a:lnTo>
-                <a:cubicBezTo>
-                  <a:pt x="380597" y="6414594"/>
-                  <a:pt x="260223" y="5988893"/>
-                  <a:pt x="171555" y="5552906"/>
-                </a:cubicBezTo>
-                <a:cubicBezTo>
-                  <a:pt x="91163" y="5157998"/>
-                  <a:pt x="43746" y="4758899"/>
-                  <a:pt x="12305" y="4357388"/>
-                </a:cubicBezTo>
-                <a:cubicBezTo>
-                  <a:pt x="-14281" y="4013908"/>
-                  <a:pt x="4507" y="3672965"/>
-                  <a:pt x="46684" y="3331516"/>
-                </a:cubicBezTo>
-                <a:cubicBezTo>
-                  <a:pt x="127203" y="2664286"/>
-                  <a:pt x="277819" y="2007265"/>
-                  <a:pt x="496065" y="1371196"/>
-                </a:cubicBezTo>
-                <a:cubicBezTo>
-                  <a:pt x="636273" y="966066"/>
-                  <a:pt x="800445" y="573253"/>
-                  <a:pt x="995723" y="196614"/>
+                  <a:pt x="0" y="2220824"/>
+                  <a:pt x="128263" y="1069835"/>
+                  <a:pt x="360213" y="22952"/>
                 </a:cubicBezTo>
                 <a:close/>
               </a:path>
             </a:pathLst>
           </a:custGeom>
-        </p:spPr>
-      </p:pic>
-      <p:pic>
-        <p:nvPicPr>
-          <p:cNvPr id="7" name="Imagen 6" descr="Texto&#10;&#10;Descripción generada automáticamente con confianza baja">
-            <a:extLst>
-              <a:ext uri="{FF2B5EF4-FFF2-40B4-BE49-F238E27FC236}">
-                <a16:creationId xmlns:a16="http://schemas.microsoft.com/office/drawing/2014/main" id="{1D340191-5CA4-0B84-7CA0-514FF7AF4245}"/>
-              </a:ext>
-            </a:extLst>
-          </p:cNvPr>
-          <p:cNvPicPr>
-            <a:picLocks noChangeAspect="1"/>
-          </p:cNvPicPr>
-          <p:nvPr/>
-        </p:nvPicPr>
-        <p:blipFill>
-          <a:blip r:embed="rId3"/>
-          <a:stretch>
-            <a:fillRect/>
-          </a:stretch>
-        </p:blipFill>
-        <p:spPr>
-          <a:xfrm>
-            <a:off x="515066" y="463131"/>
-            <a:ext cx="4493615" cy="1837958"/>
-          </a:xfrm>
-          <a:prstGeom prst="rect">
-            <a:avLst/>
-          </a:prstGeom>
+          <a:effectLst>
+            <a:outerShdw blurRad="50800" dist="38100" dir="10800000" algn="r" rotWithShape="0">
+              <a:schemeClr val="bg1">
+                <a:lumMod val="85000"/>
+                <a:alpha val="30000"/>
+              </a:schemeClr>
+            </a:outerShdw>
+          </a:effectLst>
         </p:spPr>
       </p:pic>
     </p:spTree>
@@ -7022,6 +6706,14 @@
 <file path=ppt/slides/slide9.xml><?xml version="1.0" encoding="utf-8"?>
 <p:sld xmlns:a="http://schemas.openxmlformats.org/drawingml/2006/main" xmlns:r="http://schemas.openxmlformats.org/officeDocument/2006/relationships" xmlns:p="http://schemas.openxmlformats.org/presentationml/2006/main">
   <p:cSld>
+    <p:bg>
+      <p:bgPr>
+        <a:solidFill>
+          <a:schemeClr val="bg1"/>
+        </a:solidFill>
+        <a:effectLst/>
+      </p:bgPr>
+    </p:bg>
     <p:spTree>
       <p:nvGrpSpPr>
         <p:cNvPr id="1" name=""/>
@@ -7036,6 +6728,160 @@
           <a:chExt cx="0" cy="0"/>
         </a:xfrm>
       </p:grpSpPr>
+      <p:sp useBgFill="1">
+        <p:nvSpPr>
+          <p:cNvPr id="10" name="Rectangle 9">
+            <a:extLst>
+              <a:ext uri="{FF2B5EF4-FFF2-40B4-BE49-F238E27FC236}">
+                <a16:creationId xmlns:a16="http://schemas.microsoft.com/office/drawing/2014/main" id="{66E48AFA-8884-4F68-A44F-D2C1E8609C5A}"/>
+              </a:ext>
+              <a:ext uri="{C183D7F6-B498-43B3-948B-1728B52AA6E4}">
+                <adec:decorative xmlns:adec="http://schemas.microsoft.com/office/drawing/2017/decorative" val="1"/>
+              </a:ext>
+            </a:extLst>
+          </p:cNvPr>
+          <p:cNvSpPr>
+            <a:spLocks noGrp="1" noRot="1" noChangeAspect="1" noMove="1" noResize="1" noEditPoints="1" noAdjustHandles="1" noChangeArrowheads="1" noChangeShapeType="1" noTextEdit="1"/>
+          </p:cNvSpPr>
+          <p:nvPr>
+            <p:extLst>
+              <p:ext uri="{386F3935-93C4-4BCD-93E2-E3B085C9AB24}">
+                <p16:designElem xmlns:p16="http://schemas.microsoft.com/office/powerpoint/2015/main" val="1"/>
+              </p:ext>
+            </p:extLst>
+          </p:nvPr>
+        </p:nvSpPr>
+        <p:spPr bwMode="white">
+          <a:xfrm>
+            <a:off x="0" y="0"/>
+            <a:ext cx="12192000" cy="6858000"/>
+          </a:xfrm>
+          <a:prstGeom prst="rect">
+            <a:avLst/>
+          </a:prstGeom>
+          <a:ln>
+            <a:noFill/>
+          </a:ln>
+        </p:spPr>
+        <p:style>
+          <a:lnRef idx="2">
+            <a:schemeClr val="accent1">
+              <a:shade val="50000"/>
+            </a:schemeClr>
+          </a:lnRef>
+          <a:fillRef idx="1">
+            <a:schemeClr val="accent1"/>
+          </a:fillRef>
+          <a:effectRef idx="0">
+            <a:schemeClr val="accent1"/>
+          </a:effectRef>
+          <a:fontRef idx="minor">
+            <a:schemeClr val="lt1"/>
+          </a:fontRef>
+        </p:style>
+        <p:txBody>
+          <a:bodyPr rtlCol="0" anchor="ctr"/>
+          <a:lstStyle>
+            <a:defPPr>
+              <a:defRPr lang="en-US"/>
+            </a:defPPr>
+            <a:lvl1pPr marL="0" algn="l" defTabSz="914400" rtl="0" eaLnBrk="1" latinLnBrk="0" hangingPunct="1">
+              <a:defRPr sz="1800" kern="1200">
+                <a:solidFill>
+                  <a:schemeClr val="lt1"/>
+                </a:solidFill>
+                <a:latin typeface="+mn-lt"/>
+                <a:ea typeface="+mn-ea"/>
+                <a:cs typeface="+mn-cs"/>
+              </a:defRPr>
+            </a:lvl1pPr>
+            <a:lvl2pPr marL="457200" algn="l" defTabSz="914400" rtl="0" eaLnBrk="1" latinLnBrk="0" hangingPunct="1">
+              <a:defRPr sz="1800" kern="1200">
+                <a:solidFill>
+                  <a:schemeClr val="lt1"/>
+                </a:solidFill>
+                <a:latin typeface="+mn-lt"/>
+                <a:ea typeface="+mn-ea"/>
+                <a:cs typeface="+mn-cs"/>
+              </a:defRPr>
+            </a:lvl2pPr>
+            <a:lvl3pPr marL="914400" algn="l" defTabSz="914400" rtl="0" eaLnBrk="1" latinLnBrk="0" hangingPunct="1">
+              <a:defRPr sz="1800" kern="1200">
+                <a:solidFill>
+                  <a:schemeClr val="lt1"/>
+                </a:solidFill>
+                <a:latin typeface="+mn-lt"/>
+                <a:ea typeface="+mn-ea"/>
+                <a:cs typeface="+mn-cs"/>
+              </a:defRPr>
+            </a:lvl3pPr>
+            <a:lvl4pPr marL="1371600" algn="l" defTabSz="914400" rtl="0" eaLnBrk="1" latinLnBrk="0" hangingPunct="1">
+              <a:defRPr sz="1800" kern="1200">
+                <a:solidFill>
+                  <a:schemeClr val="lt1"/>
+                </a:solidFill>
+                <a:latin typeface="+mn-lt"/>
+                <a:ea typeface="+mn-ea"/>
+                <a:cs typeface="+mn-cs"/>
+              </a:defRPr>
+            </a:lvl4pPr>
+            <a:lvl5pPr marL="1828800" algn="l" defTabSz="914400" rtl="0" eaLnBrk="1" latinLnBrk="0" hangingPunct="1">
+              <a:defRPr sz="1800" kern="1200">
+                <a:solidFill>
+                  <a:schemeClr val="lt1"/>
+                </a:solidFill>
+                <a:latin typeface="+mn-lt"/>
+                <a:ea typeface="+mn-ea"/>
+                <a:cs typeface="+mn-cs"/>
+              </a:defRPr>
+            </a:lvl5pPr>
+            <a:lvl6pPr marL="2286000" algn="l" defTabSz="914400" rtl="0" eaLnBrk="1" latinLnBrk="0" hangingPunct="1">
+              <a:defRPr sz="1800" kern="1200">
+                <a:solidFill>
+                  <a:schemeClr val="lt1"/>
+                </a:solidFill>
+                <a:latin typeface="+mn-lt"/>
+                <a:ea typeface="+mn-ea"/>
+                <a:cs typeface="+mn-cs"/>
+              </a:defRPr>
+            </a:lvl6pPr>
+            <a:lvl7pPr marL="2743200" algn="l" defTabSz="914400" rtl="0" eaLnBrk="1" latinLnBrk="0" hangingPunct="1">
+              <a:defRPr sz="1800" kern="1200">
+                <a:solidFill>
+                  <a:schemeClr val="lt1"/>
+                </a:solidFill>
+                <a:latin typeface="+mn-lt"/>
+                <a:ea typeface="+mn-ea"/>
+                <a:cs typeface="+mn-cs"/>
+              </a:defRPr>
+            </a:lvl7pPr>
+            <a:lvl8pPr marL="3200400" algn="l" defTabSz="914400" rtl="0" eaLnBrk="1" latinLnBrk="0" hangingPunct="1">
+              <a:defRPr sz="1800" kern="1200">
+                <a:solidFill>
+                  <a:schemeClr val="lt1"/>
+                </a:solidFill>
+                <a:latin typeface="+mn-lt"/>
+                <a:ea typeface="+mn-ea"/>
+                <a:cs typeface="+mn-cs"/>
+              </a:defRPr>
+            </a:lvl8pPr>
+            <a:lvl9pPr marL="3657600" algn="l" defTabSz="914400" rtl="0" eaLnBrk="1" latinLnBrk="0" hangingPunct="1">
+              <a:defRPr sz="1800" kern="1200">
+                <a:solidFill>
+                  <a:schemeClr val="lt1"/>
+                </a:solidFill>
+                <a:latin typeface="+mn-lt"/>
+                <a:ea typeface="+mn-ea"/>
+                <a:cs typeface="+mn-cs"/>
+              </a:defRPr>
+            </a:lvl9pPr>
+          </a:lstStyle>
+          <a:p>
+            <a:pPr algn="ctr"/>
+            <a:endParaRPr lang="en-US"/>
+          </a:p>
+        </p:txBody>
+      </p:sp>
       <p:sp>
         <p:nvSpPr>
           <p:cNvPr id="2" name="Título 1">
@@ -7052,9 +6898,16 @@
             <p:ph type="title"/>
           </p:nvPr>
         </p:nvSpPr>
-        <p:spPr/>
-        <p:txBody>
-          <a:bodyPr/>
+        <p:spPr>
+          <a:xfrm>
+            <a:off x="838201" y="3998018"/>
+            <a:ext cx="3981854" cy="2216513"/>
+          </a:xfrm>
+        </p:spPr>
+        <p:txBody>
+          <a:bodyPr>
+            <a:normAutofit/>
+          </a:bodyPr>
           <a:lstStyle/>
           <a:p>
             <a:endParaRPr lang="es-ES"/>
@@ -7063,6 +6916,174 @@
       </p:sp>
       <p:sp>
         <p:nvSpPr>
+          <p:cNvPr id="12" name="Arc 11">
+            <a:extLst>
+              <a:ext uri="{FF2B5EF4-FFF2-40B4-BE49-F238E27FC236}">
+                <a16:creationId xmlns:a16="http://schemas.microsoft.com/office/drawing/2014/main" id="{969D19A6-08CB-498C-93EC-3FFB021FC68A}"/>
+              </a:ext>
+              <a:ext uri="{C183D7F6-B498-43B3-948B-1728B52AA6E4}">
+                <adec:decorative xmlns:adec="http://schemas.microsoft.com/office/drawing/2017/decorative" val="1"/>
+              </a:ext>
+            </a:extLst>
+          </p:cNvPr>
+          <p:cNvSpPr>
+            <a:spLocks noGrp="1" noRot="1" noChangeAspect="1" noMove="1" noResize="1" noEditPoints="1" noAdjustHandles="1" noChangeArrowheads="1" noChangeShapeType="1" noTextEdit="1"/>
+          </p:cNvSpPr>
+          <p:nvPr>
+            <p:extLst>
+              <p:ext uri="{386F3935-93C4-4BCD-93E2-E3B085C9AB24}">
+                <p16:designElem xmlns:p16="http://schemas.microsoft.com/office/powerpoint/2015/main" val="1"/>
+              </p:ext>
+            </p:extLst>
+          </p:nvPr>
+        </p:nvSpPr>
+        <p:spPr>
+          <a:xfrm rot="6269068">
+            <a:off x="8717845" y="3339275"/>
+            <a:ext cx="2987899" cy="2987899"/>
+          </a:xfrm>
+          <a:prstGeom prst="arc">
+            <a:avLst>
+              <a:gd name="adj1" fmla="val 14441841"/>
+              <a:gd name="adj2" fmla="val 0"/>
+            </a:avLst>
+          </a:prstGeom>
+          <a:ln w="127000" cap="rnd">
+            <a:solidFill>
+              <a:schemeClr val="accent4"/>
+            </a:solidFill>
+            <a:prstDash val="dash"/>
+            <a:miter lim="800000"/>
+          </a:ln>
+        </p:spPr>
+        <p:style>
+          <a:lnRef idx="1">
+            <a:schemeClr val="accent1"/>
+          </a:lnRef>
+          <a:fillRef idx="0">
+            <a:schemeClr val="accent1"/>
+          </a:fillRef>
+          <a:effectRef idx="0">
+            <a:schemeClr val="accent1"/>
+          </a:effectRef>
+          <a:fontRef idx="minor">
+            <a:schemeClr val="tx1"/>
+          </a:fontRef>
+        </p:style>
+        <p:txBody>
+          <a:bodyPr rtlCol="0" anchor="ctr"/>
+          <a:lstStyle/>
+          <a:p>
+            <a:pPr marL="0" marR="0" lvl="0" indent="0" algn="ctr" defTabSz="914400" rtl="0" eaLnBrk="1" fontAlgn="auto" latinLnBrk="0" hangingPunct="1">
+              <a:lnSpc>
+                <a:spcPct val="100000"/>
+              </a:lnSpc>
+              <a:spcBef>
+                <a:spcPts val="0"/>
+              </a:spcBef>
+              <a:spcAft>
+                <a:spcPts val="0"/>
+              </a:spcAft>
+              <a:buClrTx/>
+              <a:buSzTx/>
+              <a:buFontTx/>
+              <a:buNone/>
+              <a:tabLst/>
+              <a:defRPr/>
+            </a:pPr>
+            <a:endParaRPr kumimoji="0" lang="en-US" sz="1800" b="0" i="0" u="none" strike="noStrike" kern="1200" cap="none" spc="0" normalizeH="0" baseline="0" noProof="0">
+              <a:ln>
+                <a:noFill/>
+              </a:ln>
+              <a:solidFill>
+                <a:srgbClr val="000000"/>
+              </a:solidFill>
+              <a:effectLst/>
+              <a:uLnTx/>
+              <a:uFillTx/>
+              <a:latin typeface="Calibri" panose="020F0502020204030204"/>
+              <a:ea typeface="+mn-ea"/>
+              <a:cs typeface="+mn-cs"/>
+            </a:endParaRPr>
+          </a:p>
+        </p:txBody>
+      </p:sp>
+      <p:pic>
+        <p:nvPicPr>
+          <p:cNvPr id="5" name="Imagen 4">
+            <a:extLst>
+              <a:ext uri="{FF2B5EF4-FFF2-40B4-BE49-F238E27FC236}">
+                <a16:creationId xmlns:a16="http://schemas.microsoft.com/office/drawing/2014/main" id="{D1FEF38A-3994-7BA7-1C1D-188EB138493B}"/>
+              </a:ext>
+            </a:extLst>
+          </p:cNvPr>
+          <p:cNvPicPr>
+            <a:picLocks noChangeAspect="1"/>
+          </p:cNvPicPr>
+          <p:nvPr/>
+        </p:nvPicPr>
+        <p:blipFill>
+          <a:blip r:embed="rId2"/>
+          <a:stretch>
+            <a:fillRect/>
+          </a:stretch>
+        </p:blipFill>
+        <p:spPr>
+          <a:xfrm>
+            <a:off x="659914" y="837810"/>
+            <a:ext cx="10872172" cy="2690860"/>
+          </a:xfrm>
+          <a:custGeom>
+            <a:avLst/>
+            <a:gdLst/>
+            <a:ahLst/>
+            <a:cxnLst/>
+            <a:rect l="l" t="t" r="r" b="b"/>
+            <a:pathLst>
+              <a:path w="10580201" h="2957472">
+                <a:moveTo>
+                  <a:pt x="88961" y="0"/>
+                </a:moveTo>
+                <a:lnTo>
+                  <a:pt x="10491240" y="0"/>
+                </a:lnTo>
+                <a:cubicBezTo>
+                  <a:pt x="10540372" y="0"/>
+                  <a:pt x="10580201" y="39829"/>
+                  <a:pt x="10580201" y="88961"/>
+                </a:cubicBezTo>
+                <a:lnTo>
+                  <a:pt x="10580201" y="2868511"/>
+                </a:lnTo>
+                <a:cubicBezTo>
+                  <a:pt x="10580201" y="2917643"/>
+                  <a:pt x="10540372" y="2957472"/>
+                  <a:pt x="10491240" y="2957472"/>
+                </a:cubicBezTo>
+                <a:lnTo>
+                  <a:pt x="88961" y="2957472"/>
+                </a:lnTo>
+                <a:cubicBezTo>
+                  <a:pt x="39829" y="2957472"/>
+                  <a:pt x="0" y="2917643"/>
+                  <a:pt x="0" y="2868511"/>
+                </a:cubicBezTo>
+                <a:lnTo>
+                  <a:pt x="0" y="88961"/>
+                </a:lnTo>
+                <a:cubicBezTo>
+                  <a:pt x="0" y="39829"/>
+                  <a:pt x="39829" y="0"/>
+                  <a:pt x="88961" y="0"/>
+                </a:cubicBezTo>
+                <a:close/>
+              </a:path>
+            </a:pathLst>
+          </a:custGeom>
+        </p:spPr>
+      </p:pic>
+      <p:sp>
+        <p:nvSpPr>
           <p:cNvPr id="3" name="Marcador de contenido 2">
             <a:extLst>
               <a:ext uri="{FF2B5EF4-FFF2-40B4-BE49-F238E27FC236}">
@@ -7077,91 +7098,74 @@
             <p:ph idx="1"/>
           </p:nvPr>
         </p:nvSpPr>
-        <p:spPr/>
-        <p:txBody>
-          <a:bodyPr/>
-          <a:lstStyle/>
-          <a:p>
-            <a:r>
-              <a:rPr lang="es-ES" b="1" dirty="0">
-                <a:solidFill>
-                  <a:srgbClr val="569CD6"/>
-                </a:solidFill>
+        <p:spPr>
+          <a:xfrm>
+            <a:off x="4970835" y="3998019"/>
+            <a:ext cx="6382966" cy="2216512"/>
+          </a:xfrm>
+        </p:spPr>
+        <p:txBody>
+          <a:bodyPr>
+            <a:normAutofit fontScale="92500"/>
+          </a:bodyPr>
+          <a:lstStyle/>
+          <a:p>
+            <a:r>
+              <a:rPr lang="es-ES" sz="2400" b="1" dirty="0">
                 <a:effectLst/>
                 <a:latin typeface="Menlo" panose="020B0609030804020204" pitchFamily="49" charset="0"/>
               </a:rPr>
               <a:t>Dados los resultados de todos los modelos el mejor es el </a:t>
             </a:r>
             <a:r>
-              <a:rPr lang="es-ES" b="1" dirty="0" err="1">
-                <a:solidFill>
-                  <a:srgbClr val="569CD6"/>
-                </a:solidFill>
+              <a:rPr lang="es-ES" sz="2400" b="1" dirty="0" err="1">
                 <a:effectLst/>
                 <a:latin typeface="Menlo" panose="020B0609030804020204" pitchFamily="49" charset="0"/>
               </a:rPr>
               <a:t>XGBoosting</a:t>
             </a:r>
             <a:r>
-              <a:rPr lang="es-ES" b="1" dirty="0">
-                <a:solidFill>
-                  <a:srgbClr val="569CD6"/>
-                </a:solidFill>
+              <a:rPr lang="es-ES" sz="2400" b="1" dirty="0">
                 <a:effectLst/>
                 <a:latin typeface="Menlo" panose="020B0609030804020204" pitchFamily="49" charset="0"/>
               </a:rPr>
               <a:t> con un score de 0.986582, pero para poder conseguir el propósito de detectar el grado de satisfacción del cliente funciona mejor el </a:t>
             </a:r>
             <a:r>
-              <a:rPr lang="es-ES" b="1" dirty="0" err="1">
-                <a:solidFill>
-                  <a:srgbClr val="569CD6"/>
-                </a:solidFill>
+              <a:rPr lang="es-ES" sz="2400" b="1" dirty="0" err="1">
                 <a:effectLst/>
                 <a:latin typeface="Menlo" panose="020B0609030804020204" pitchFamily="49" charset="0"/>
               </a:rPr>
               <a:t>random</a:t>
             </a:r>
             <a:r>
-              <a:rPr lang="es-ES" b="1" dirty="0">
-                <a:solidFill>
-                  <a:srgbClr val="569CD6"/>
-                </a:solidFill>
+              <a:rPr lang="es-ES" sz="2400" b="1" dirty="0">
                 <a:effectLst/>
                 <a:latin typeface="Menlo" panose="020B0609030804020204" pitchFamily="49" charset="0"/>
               </a:rPr>
               <a:t> </a:t>
             </a:r>
             <a:r>
-              <a:rPr lang="es-ES" b="1" dirty="0" err="1">
-                <a:solidFill>
-                  <a:srgbClr val="569CD6"/>
-                </a:solidFill>
+              <a:rPr lang="es-ES" sz="2400" b="1" dirty="0" err="1">
                 <a:effectLst/>
                 <a:latin typeface="Menlo" panose="020B0609030804020204" pitchFamily="49" charset="0"/>
               </a:rPr>
               <a:t>forest</a:t>
             </a:r>
             <a:r>
-              <a:rPr lang="es-ES" b="1" dirty="0">
-                <a:solidFill>
-                  <a:srgbClr val="569CD6"/>
-                </a:solidFill>
+              <a:rPr lang="es-ES" sz="2400" b="1" dirty="0">
                 <a:effectLst/>
                 <a:latin typeface="Menlo" panose="020B0609030804020204" pitchFamily="49" charset="0"/>
               </a:rPr>
               <a:t>.</a:t>
             </a:r>
-            <a:endParaRPr lang="es-ES" b="0" dirty="0">
-              <a:solidFill>
-                <a:srgbClr val="D4D4D4"/>
-              </a:solidFill>
+            <a:endParaRPr lang="es-ES" sz="2400" b="0" dirty="0">
               <a:effectLst/>
               <a:latin typeface="Menlo" panose="020B0609030804020204" pitchFamily="49" charset="0"/>
             </a:endParaRPr>
           </a:p>
           <a:p>
-            <a:endParaRPr lang="es-ES" dirty="0"/>
+            <a:endParaRPr lang="es-ES" sz="2400" dirty="0"/>
           </a:p>
         </p:txBody>
       </p:sp>
